--- a/Documentation/Presentation/Phase 1.pptx
+++ b/Documentation/Presentation/Phase 1.pptx
@@ -259,7 +259,7 @@
           <a:p>
             <a:fld id="{C23BA1FF-2277-4117-AC96-6C29B73E564E}" type="datetimeFigureOut">
               <a:rPr lang="en-IN" smtClean="0"/>
-              <a:t>22-02-2018</a:t>
+              <a:t>20-04-2018</a:t>
             </a:fld>
             <a:endParaRPr lang="en-IN"/>
           </a:p>
@@ -800,7 +800,7 @@
               <a:pPr>
                 <a:defRPr/>
               </a:pPr>
-              <a:t>2/22/2018</a:t>
+              <a:t>4/20/2018</a:t>
             </a:fld>
             <a:endParaRPr lang="en-US" dirty="0"/>
           </a:p>
@@ -990,7 +990,7 @@
               <a:pPr>
                 <a:defRPr/>
               </a:pPr>
-              <a:t>2/22/2018</a:t>
+              <a:t>4/20/2018</a:t>
             </a:fld>
             <a:endParaRPr lang="en-US" dirty="0"/>
           </a:p>
@@ -1190,7 +1190,7 @@
               <a:pPr>
                 <a:defRPr/>
               </a:pPr>
-              <a:t>2/22/2018</a:t>
+              <a:t>4/20/2018</a:t>
             </a:fld>
             <a:endParaRPr lang="en-US" dirty="0"/>
           </a:p>
@@ -1380,7 +1380,7 @@
               <a:pPr>
                 <a:defRPr/>
               </a:pPr>
-              <a:t>2/22/2018</a:t>
+              <a:t>4/20/2018</a:t>
             </a:fld>
             <a:endParaRPr lang="en-US" dirty="0"/>
           </a:p>
@@ -1647,7 +1647,7 @@
               <a:pPr>
                 <a:defRPr/>
               </a:pPr>
-              <a:t>2/22/2018</a:t>
+              <a:t>4/20/2018</a:t>
             </a:fld>
             <a:endParaRPr lang="en-US" dirty="0"/>
           </a:p>
@@ -1954,7 +1954,7 @@
               <a:pPr>
                 <a:defRPr/>
               </a:pPr>
-              <a:t>2/22/2018</a:t>
+              <a:t>4/20/2018</a:t>
             </a:fld>
             <a:endParaRPr lang="en-US" dirty="0"/>
           </a:p>
@@ -2395,7 +2395,7 @@
               <a:pPr>
                 <a:defRPr/>
               </a:pPr>
-              <a:t>2/22/2018</a:t>
+              <a:t>4/20/2018</a:t>
             </a:fld>
             <a:endParaRPr lang="en-US" dirty="0"/>
           </a:p>
@@ -2534,7 +2534,7 @@
               <a:pPr>
                 <a:defRPr/>
               </a:pPr>
-              <a:t>2/22/2018</a:t>
+              <a:t>4/20/2018</a:t>
             </a:fld>
             <a:endParaRPr lang="en-US" dirty="0"/>
           </a:p>
@@ -2651,7 +2651,7 @@
               <a:pPr>
                 <a:defRPr/>
               </a:pPr>
-              <a:t>2/22/2018</a:t>
+              <a:t>4/20/2018</a:t>
             </a:fld>
             <a:endParaRPr lang="en-US" dirty="0"/>
           </a:p>
@@ -2948,7 +2948,7 @@
               <a:pPr>
                 <a:defRPr/>
               </a:pPr>
-              <a:t>2/22/2018</a:t>
+              <a:t>4/20/2018</a:t>
             </a:fld>
             <a:endParaRPr lang="en-US" dirty="0"/>
           </a:p>
@@ -3225,7 +3225,7 @@
               <a:pPr>
                 <a:defRPr/>
               </a:pPr>
-              <a:t>2/22/2018</a:t>
+              <a:t>4/20/2018</a:t>
             </a:fld>
             <a:endParaRPr lang="en-US" dirty="0"/>
           </a:p>
@@ -3485,7 +3485,7 @@
               <a:pPr>
                 <a:defRPr/>
               </a:pPr>
-              <a:t>2/22/2018</a:t>
+              <a:t>4/20/2018</a:t>
             </a:fld>
             <a:endParaRPr lang="en-US" dirty="0"/>
           </a:p>
@@ -4513,21 +4513,16 @@
             </a:r>
             <a:r>
               <a:rPr lang="en-US" sz="1800" dirty="0"/>
-              <a:t>and integrate this information into the scheduling application to support ad-hoc meetings and increase room utilization. Our system is a simple, ease-of-implementation solution based on PIR sensor fusion devices and Ethernet connectivity. Occupancy data is sent to a central application server by UDP over IP protocols. On this server, a web application is developed and hosted to not only allow people book rooms for their meetings, but also check the utilization of these rooms based on </a:t>
-            </a:r>
-            <a:r>
-              <a:rPr lang="en-US" sz="1800"/>
-              <a:t>predefined </a:t>
-            </a:r>
-            <a:r>
-              <a:rPr lang="en-US" sz="1800" smtClean="0"/>
+              <a:t>and integrate this information into the scheduling application to support ad-hoc meetings and increase room utilization. Our system is a simple, ease-of-implementation solution based on PIR sensor fusion devices and Ethernet connectivity. Occupancy data is sent to a central application server by UDP over IP protocols. On this server, a web application is developed and hosted to not only allow people book rooms for their meetings, but also check the utilization of these rooms based on predefined </a:t>
+            </a:r>
+            <a:r>
+              <a:rPr lang="en-US" sz="1800" dirty="0" smtClean="0"/>
               <a:t>policies.</a:t>
             </a:r>
             <a:r>
-              <a:rPr lang="en-IN" sz="1800" smtClean="0"/>
+              <a:rPr lang="en-IN" sz="1800" dirty="0" smtClean="0"/>
               <a:t>”</a:t>
             </a:r>
-            <a:endParaRPr lang="en-IN" sz="1800" dirty="0" smtClean="0"/>
           </a:p>
           <a:p>
             <a:pPr marL="0" lvl="0" indent="0">
@@ -4592,10 +4587,6 @@
               </a:rPr>
               <a:t>Solution Design</a:t>
             </a:r>
-            <a:endParaRPr lang="en-US" sz="3600" b="1" dirty="0">
-              <a:latin typeface="Times New Roman" pitchFamily="18" charset="0"/>
-              <a:cs typeface="Times New Roman" pitchFamily="18" charset="0"/>
-            </a:endParaRPr>
           </a:p>
         </p:txBody>
       </p:sp>
@@ -4621,46 +4612,22 @@
           <a:p>
             <a:pPr lvl="0"/>
             <a:r>
-              <a:rPr lang="en-IN" sz="2800" dirty="0"/>
+              <a:rPr lang="en-IN" sz="2800" dirty="0" smtClean="0"/>
               <a:t>We will use a PIR sensor to detect occupancy</a:t>
             </a:r>
           </a:p>
           <a:p>
             <a:pPr lvl="0"/>
             <a:r>
-              <a:rPr lang="en-IN" sz="2800" dirty="0"/>
-              <a:t>The sensor will be connected to </a:t>
-            </a:r>
-            <a:r>
               <a:rPr lang="en-IN" sz="2800" dirty="0" smtClean="0"/>
-              <a:t>an </a:t>
-            </a:r>
-            <a:r>
-              <a:rPr lang="en-IN" sz="2800" dirty="0"/>
-              <a:t>A</a:t>
-            </a:r>
+              <a:t>The sensor will be connected to an Atmel microcontroller which will relay the information to a central device via radio modules configured in a mesh configuration</a:t>
+            </a:r>
+          </a:p>
+          <a:p>
+            <a:pPr lvl="0"/>
             <a:r>
               <a:rPr lang="en-IN" sz="2800" dirty="0" smtClean="0"/>
-              <a:t>tmel microcontroller which will relay the information to a </a:t>
-            </a:r>
-            <a:r>
-              <a:rPr lang="en-IN" sz="2800" dirty="0"/>
-              <a:t>central </a:t>
-            </a:r>
-            <a:r>
-              <a:rPr lang="en-IN" sz="2800" dirty="0" smtClean="0"/>
-              <a:t>device via radio modules configured in a mesh configuration</a:t>
-            </a:r>
-          </a:p>
-          <a:p>
-            <a:pPr lvl="0"/>
-            <a:r>
-              <a:rPr lang="en-IN" sz="2800" dirty="0" smtClean="0"/>
-              <a:t>The centra</a:t>
-            </a:r>
-            <a:r>
-              <a:rPr lang="en-IN" sz="2800" dirty="0" smtClean="0"/>
-              <a:t>l device will push the data to the internet using a </a:t>
+              <a:t>The central device will push the data to the internet using a </a:t>
             </a:r>
             <a:r>
               <a:rPr lang="en-IN" sz="2800" dirty="0" err="1" smtClean="0"/>
@@ -4682,11 +4649,7 @@
             <a:pPr lvl="0"/>
             <a:r>
               <a:rPr lang="en-IN" sz="2800" dirty="0" smtClean="0"/>
-              <a:t>We </a:t>
-            </a:r>
-            <a:r>
-              <a:rPr lang="en-IN" sz="2800" dirty="0"/>
-              <a:t>will create a complete end-to-end product including getting PCBs manufactured for the devices and designing the web interface</a:t>
+              <a:t>We will create a complete end-to-end product including getting PCBs manufactured for the devices and designing the web interface</a:t>
             </a:r>
           </a:p>
           <a:p>
@@ -8338,7 +8301,6 @@
               <a:rPr lang="en-US" dirty="0" smtClean="0"/>
               <a:t>PCBs</a:t>
             </a:r>
-            <a:endParaRPr lang="en-US" dirty="0" smtClean="0"/>
           </a:p>
         </p:txBody>
       </p:sp>
@@ -8363,19 +8325,8 @@
                 <a:latin typeface="Times New Roman" pitchFamily="18" charset="0"/>
                 <a:cs typeface="Times New Roman" pitchFamily="18" charset="0"/>
               </a:rPr>
-              <a:t>Hardware </a:t>
-            </a:r>
-            <a:r>
-              <a:rPr lang="en-US" sz="3600" b="1" dirty="0" smtClean="0">
-                <a:latin typeface="Times New Roman" pitchFamily="18" charset="0"/>
-                <a:cs typeface="Times New Roman" pitchFamily="18" charset="0"/>
-              </a:rPr>
-              <a:t>Requirements</a:t>
-            </a:r>
-            <a:endParaRPr lang="en-US" sz="3600" b="1" dirty="0" smtClean="0">
-              <a:latin typeface="Times New Roman" pitchFamily="18" charset="0"/>
-              <a:cs typeface="Times New Roman" pitchFamily="18" charset="0"/>
-            </a:endParaRPr>
+              <a:t>Hardware Requirements</a:t>
+            </a:r>
           </a:p>
         </p:txBody>
       </p:sp>
@@ -8753,14 +8704,7 @@
                 <a:latin typeface="Times New Roman" pitchFamily="18" charset="0"/>
                 <a:cs typeface="Times New Roman" pitchFamily="18" charset="0"/>
               </a:rPr>
-              <a:t>THANK </a:t>
-            </a:r>
-            <a:r>
-              <a:rPr lang="en-US" b="1" dirty="0" smtClean="0">
-                <a:latin typeface="Times New Roman" pitchFamily="18" charset="0"/>
-                <a:cs typeface="Times New Roman" pitchFamily="18" charset="0"/>
-              </a:rPr>
-              <a:t>YOU</a:t>
+              <a:t>THANK YOU</a:t>
             </a:r>
             <a:endParaRPr lang="en-US" dirty="0" smtClean="0">
               <a:latin typeface="Times New Roman" pitchFamily="18" charset="0"/>
@@ -8898,15 +8842,7 @@
             <a:pPr algn="ctr" eaLnBrk="1" hangingPunct="1"/>
             <a:r>
               <a:rPr lang="en-IN" sz="3200" b="1" dirty="0" smtClean="0"/>
-              <a:t>Low </a:t>
-            </a:r>
-            <a:r>
-              <a:rPr lang="en-IN" sz="3200" b="1" dirty="0" smtClean="0"/>
-              <a:t>Cost </a:t>
-            </a:r>
-            <a:r>
-              <a:rPr lang="en-IN" sz="3200" b="1" dirty="0" smtClean="0"/>
-              <a:t>Real-time </a:t>
+              <a:t>Low Cost Real-time </a:t>
             </a:r>
             <a:r>
               <a:rPr lang="en-IN" sz="3200" b="1" dirty="0"/>
@@ -9206,12 +9142,8 @@
           </a:p>
           <a:p>
             <a:r>
-              <a:rPr lang="en-IN" sz="2400"/>
-              <a:t>Hence meeting </a:t>
-            </a:r>
-            <a:r>
               <a:rPr lang="en-IN" sz="2400" dirty="0"/>
-              <a:t>rooms are always in demand</a:t>
+              <a:t>Hence meeting rooms are always in demand</a:t>
             </a:r>
           </a:p>
           <a:p>
@@ -9257,7 +9189,7 @@
           <p:cNvPr id="4" name="Content Placeholder 3">
             <a:extLst>
               <a:ext uri="{FF2B5EF4-FFF2-40B4-BE49-F238E27FC236}">
-                <a16:creationId xmlns:a16="http://schemas.microsoft.com/office/drawing/2014/main" xmlns="" id="{C8648500-37E9-4BFD-89E1-268456273BA5}"/>
+                <a16:creationId xmlns="" xmlns:a16="http://schemas.microsoft.com/office/drawing/2014/main" id="{C8648500-37E9-4BFD-89E1-268456273BA5}"/>
               </a:ext>
             </a:extLst>
           </p:cNvPr>
@@ -9334,7 +9266,7 @@
           <p:cNvPr id="5" name="Picture 4">
             <a:extLst>
               <a:ext uri="{FF2B5EF4-FFF2-40B4-BE49-F238E27FC236}">
-                <a16:creationId xmlns:a16="http://schemas.microsoft.com/office/drawing/2014/main" xmlns="" id="{B2BD5285-288F-41D5-B109-2850976B6EF8}"/>
+                <a16:creationId xmlns="" xmlns:a16="http://schemas.microsoft.com/office/drawing/2014/main" id="{B2BD5285-288F-41D5-B109-2850976B6EF8}"/>
               </a:ext>
             </a:extLst>
           </p:cNvPr>
@@ -9602,11 +9534,7 @@
             </a:r>
             <a:r>
               <a:rPr lang="en-IN" sz="2800" dirty="0" smtClean="0"/>
-              <a:t>utilization</a:t>
-            </a:r>
-            <a:r>
-              <a:rPr lang="en-IN" sz="2800" dirty="0" smtClean="0"/>
-              <a:t> </a:t>
+              <a:t>utilization </a:t>
             </a:r>
             <a:r>
               <a:rPr lang="en-IN" sz="2800" dirty="0"/>
